--- a/presentation/ISCOP 2022 Poster widescreen final.pptx
+++ b/presentation/ISCOP 2022 Poster widescreen final.pptx
@@ -208,7 +208,7 @@
           <a:p>
             <a:fld id="{55FEF8FE-B4D0-41A0-8075-47B2AB0524F5}" type="datetimeFigureOut">
               <a:rPr lang="he-IL" smtClean="0"/>
-              <a:t>כ"ח/שבט/תשפ"ב</a:t>
+              <a:t>ט'/אדר א/תשפ"ב</a:t>
             </a:fld>
             <a:endParaRPr lang="he-IL"/>
           </a:p>
@@ -520,7 +520,323 @@
           <a:bodyPr/>
           <a:lstStyle/>
           <a:p>
-            <a:endParaRPr lang="he-IL" dirty="0"/>
+            <a:r>
+              <a:rPr lang="en-US" b="1" dirty="0"/>
+              <a:t>Intro</a:t>
+            </a:r>
+          </a:p>
+          <a:p>
+            <a:r>
+              <a:rPr lang="en-US" dirty="0"/>
+              <a:t>Our lab researches unconscious processing.</a:t>
+            </a:r>
+          </a:p>
+          <a:p>
+            <a:r>
+              <a:rPr lang="en-US" dirty="0"/>
+              <a:t>This field has much controversy,</a:t>
+            </a:r>
+          </a:p>
+          <a:p>
+            <a:r>
+              <a:rPr lang="en-US" dirty="0"/>
+              <a:t>partially because of the small effect sizes usually found in studies.</a:t>
+            </a:r>
+          </a:p>
+          <a:p>
+            <a:r>
+              <a:rPr lang="en-US" dirty="0"/>
+              <a:t>Motion tracking is a rich measure…</a:t>
+            </a:r>
+          </a:p>
+          <a:p>
+            <a:r>
+              <a:rPr lang="en-US" dirty="0"/>
+              <a:t>A few studies used motion tracking to probe unconscious…</a:t>
+            </a:r>
+          </a:p>
+          <a:p>
+            <a:r>
+              <a:rPr lang="en-US" dirty="0"/>
+              <a:t>To date only one directly compared it to keyboard response.</a:t>
+            </a:r>
+          </a:p>
+          <a:p>
+            <a:r>
+              <a:rPr lang="en-US" dirty="0"/>
+              <a:t>We ran 2 pilot exp which goal was to establish motion tracking as a valid measure for </a:t>
+            </a:r>
+            <a:r>
+              <a:rPr lang="en-US" dirty="0" err="1"/>
+              <a:t>uncosnscious</a:t>
+            </a:r>
+            <a:r>
+              <a:rPr lang="en-US" dirty="0"/>
+              <a:t> processing.</a:t>
+            </a:r>
+          </a:p>
+          <a:p>
+            <a:r>
+              <a:rPr lang="en-US" dirty="0"/>
+              <a:t>We present them here to receive feedback towards our next step,</a:t>
+            </a:r>
+          </a:p>
+          <a:p>
+            <a:r>
+              <a:rPr lang="en-US" dirty="0"/>
+              <a:t>Which would be comparing keyboard response and motion tracking as measures for unconscious processing.</a:t>
+            </a:r>
+          </a:p>
+          <a:p>
+            <a:endParaRPr lang="en-US" dirty="0"/>
+          </a:p>
+          <a:p>
+            <a:r>
+              <a:rPr lang="en-US" b="1" dirty="0"/>
+              <a:t>Methods</a:t>
+            </a:r>
+          </a:p>
+          <a:p>
+            <a:r>
+              <a:rPr lang="en-US" b="0" dirty="0"/>
+              <a:t>We used a semantic priming paradigm… </a:t>
+            </a:r>
+            <a:r>
+              <a:rPr lang="en-US" b="1" dirty="0" err="1"/>
+              <a:t>Conggruent</a:t>
+            </a:r>
+            <a:r>
+              <a:rPr lang="en-US" b="1" dirty="0"/>
+              <a:t> = </a:t>
+            </a:r>
+            <a:r>
+              <a:rPr lang="en-US" b="0" dirty="0"/>
+              <a:t>same word, </a:t>
+            </a:r>
+            <a:r>
+              <a:rPr lang="en-US" b="1" dirty="0"/>
+              <a:t>incongruent = </a:t>
+            </a:r>
+            <a:r>
+              <a:rPr lang="en-US" b="0" dirty="0"/>
+              <a:t> diff word from diff category</a:t>
+            </a:r>
+          </a:p>
+          <a:p>
+            <a:r>
+              <a:rPr lang="en-US" b="0" dirty="0"/>
+              <a:t>Subjects responded by touching the correct answer on the screen,</a:t>
+            </a:r>
+          </a:p>
+          <a:p>
+            <a:r>
+              <a:rPr lang="en-US" b="0" dirty="0"/>
+              <a:t>While we tracked the location of their index finger.</a:t>
+            </a:r>
+          </a:p>
+          <a:p>
+            <a:r>
+              <a:rPr lang="en-US" b="0" dirty="0"/>
+              <a:t>The main parameter we extracted is “reach area”:</a:t>
+            </a:r>
+          </a:p>
+          <a:p>
+            <a:r>
+              <a:rPr lang="en-US" b="0" dirty="0"/>
+              <a:t>Area circumscribed by the average trajectory to the right target and avg </a:t>
+            </a:r>
+            <a:r>
+              <a:rPr lang="en-US" b="0" dirty="0" err="1"/>
+              <a:t>traj</a:t>
+            </a:r>
+            <a:r>
+              <a:rPr lang="en-US" b="0" dirty="0"/>
+              <a:t> to the left target.</a:t>
+            </a:r>
+          </a:p>
+          <a:p>
+            <a:r>
+              <a:rPr lang="en-US" b="0" dirty="0"/>
+              <a:t>This area was compared between congruent and incongruent trials and the difference represents the congruency effect.</a:t>
+            </a:r>
+          </a:p>
+          <a:p>
+            <a:r>
+              <a:rPr lang="en-US" b="0" dirty="0"/>
+              <a:t>We had 2 pilots in out exp...</a:t>
+            </a:r>
+          </a:p>
+          <a:p>
+            <a:r>
+              <a:rPr lang="en-US" b="0" dirty="0"/>
+              <a:t>First had 1 session with 2 practice blocks and 12 test blocks.</a:t>
+            </a:r>
+          </a:p>
+          <a:p>
+            <a:r>
+              <a:rPr lang="en-US" b="0" dirty="0"/>
+              <a:t>But we noticed the subjects were falling within the response time limit we gave them.</a:t>
+            </a:r>
+          </a:p>
+          <a:p>
+            <a:r>
+              <a:rPr lang="en-US" b="0" dirty="0"/>
+              <a:t>So on the 2</a:t>
+            </a:r>
+            <a:r>
+              <a:rPr lang="en-US" b="0" baseline="30000" dirty="0"/>
+              <a:t>nd</a:t>
+            </a:r>
+            <a:r>
+              <a:rPr lang="en-US" b="0" dirty="0"/>
+              <a:t> pilot we added a practice session a day before the test session, hoping to improve the subs RT.</a:t>
+            </a:r>
+          </a:p>
+          <a:p>
+            <a:endParaRPr lang="en-US" b="1" dirty="0"/>
+          </a:p>
+          <a:p>
+            <a:r>
+              <a:rPr lang="en-US" b="1" dirty="0"/>
+              <a:t>Here comes the boom:</a:t>
+            </a:r>
+          </a:p>
+          <a:p>
+            <a:r>
+              <a:rPr lang="en-US" b="0" dirty="0"/>
+              <a:t>Our effect size is comparable to that found in previous studies who probed semantic priming with motion tracking.</a:t>
+            </a:r>
+          </a:p>
+          <a:p>
+            <a:r>
+              <a:rPr lang="en-US" b="0" dirty="0"/>
+              <a:t>Not only that, but is also larger than the effect size found when the same researchers used a keyboard.</a:t>
+            </a:r>
+          </a:p>
+          <a:p>
+            <a:r>
+              <a:rPr lang="en-US" b="0" dirty="0"/>
+              <a:t>This consistent advantage for motion tracking is inline with our hypothesis and is encouraging for our next planned experiment.</a:t>
+            </a:r>
+          </a:p>
+          <a:p>
+            <a:endParaRPr lang="en-US" b="0" dirty="0"/>
+          </a:p>
+          <a:p>
+            <a:r>
+              <a:rPr lang="en-US" b="1" dirty="0"/>
+              <a:t>Advantages for motion tracking:</a:t>
+            </a:r>
+          </a:p>
+          <a:p>
+            <a:pPr marL="171450" indent="-171450">
+              <a:buFont typeface="Arial" panose="020B0604020202020204" pitchFamily="34" charset="0"/>
+              <a:buChar char="•"/>
+            </a:pPr>
+            <a:r>
+              <a:rPr lang="en-US" b="0" dirty="0"/>
+              <a:t>Final decision vs Entire decision process – cognitive processes are dynamic, they change and develop before reaching the final decision. Keyboard </a:t>
+            </a:r>
+            <a:r>
+              <a:rPr lang="en-US" b="0" dirty="0" err="1"/>
+              <a:t>responsescan</a:t>
+            </a:r>
+            <a:r>
+              <a:rPr lang="en-US" b="0" dirty="0"/>
+              <a:t> only capture the final response and how long it took to make it, while motion tracking captures fluctuations in our final decision as it is formulated (since motion tracking represents changes of mind). These fluctuations might be exactly what we are looking for when probing unconscious effects on behavior.</a:t>
+            </a:r>
+          </a:p>
+          <a:p>
+            <a:pPr marL="171450" indent="-171450">
+              <a:buFont typeface="Arial" panose="020B0604020202020204" pitchFamily="34" charset="0"/>
+              <a:buChar char="•"/>
+            </a:pPr>
+            <a:r>
+              <a:rPr lang="en-US" b="0" dirty="0"/>
+              <a:t>Post-hoc vs online – We are interested in the processes that happens before the subject makes the final decision. With RT we learn when that processes ended and from that deduce what the processes included. So RT isn’t a direct measure of this process. On the other hand, motion tracking captures online information of this process as it is happening, which means it is a direct measure of it.</a:t>
+            </a:r>
+          </a:p>
+          <a:p>
+            <a:pPr marL="171450" indent="-171450">
+              <a:buFont typeface="Arial" panose="020B0604020202020204" pitchFamily="34" charset="0"/>
+              <a:buChar char="•"/>
+            </a:pPr>
+            <a:r>
+              <a:rPr lang="en-US" b="0" dirty="0"/>
+              <a:t>Richness – keyboard provides produces 2 parameters: accuracy and RT. On the other hand motion tracking yields a vast number of parameters.</a:t>
+            </a:r>
+          </a:p>
+          <a:p>
+            <a:pPr marL="0" indent="0">
+              <a:buFont typeface="Arial" panose="020B0604020202020204" pitchFamily="34" charset="0"/>
+              <a:buNone/>
+            </a:pPr>
+            <a:endParaRPr lang="en-US" b="0" dirty="0"/>
+          </a:p>
+          <a:p>
+            <a:pPr marL="0" indent="0">
+              <a:buFont typeface="Arial" panose="020B0604020202020204" pitchFamily="34" charset="0"/>
+              <a:buNone/>
+            </a:pPr>
+            <a:endParaRPr lang="en-US" b="0" dirty="0"/>
+          </a:p>
+          <a:p>
+            <a:pPr marL="0" indent="0">
+              <a:buFont typeface="Arial" panose="020B0604020202020204" pitchFamily="34" charset="0"/>
+              <a:buNone/>
+            </a:pPr>
+            <a:r>
+              <a:rPr lang="en-US" b="1" dirty="0"/>
+              <a:t>Changes of mind represented in motion:</a:t>
+            </a:r>
+          </a:p>
+          <a:p>
+            <a:pPr marL="0" indent="0">
+              <a:buFont typeface="Arial" panose="020B0604020202020204" pitchFamily="34" charset="0"/>
+              <a:buNone/>
+            </a:pPr>
+            <a:r>
+              <a:rPr lang="en-US" b="0" dirty="0"/>
+              <a:t>Real life – reaching for hot pan, realizing a second before that its hot, retracting and taking a kitchen glove.</a:t>
+            </a:r>
+          </a:p>
+          <a:p>
+            <a:pPr marL="0" indent="0">
+              <a:buFont typeface="Arial" panose="020B0604020202020204" pitchFamily="34" charset="0"/>
+              <a:buNone/>
+            </a:pPr>
+            <a:r>
+              <a:rPr lang="en-US" b="0" dirty="0"/>
+              <a:t>Conscious – 1. target is changed, subject changes </a:t>
+            </a:r>
+            <a:r>
+              <a:rPr lang="en-US" b="0" dirty="0" err="1"/>
+              <a:t>traj</a:t>
+            </a:r>
+            <a:r>
+              <a:rPr lang="en-US" b="0" dirty="0"/>
+              <a:t> accordingly.</a:t>
+            </a:r>
+          </a:p>
+          <a:p>
+            <a:pPr marL="0" indent="0">
+              <a:buFont typeface="Arial" panose="020B0604020202020204" pitchFamily="34" charset="0"/>
+              <a:buNone/>
+            </a:pPr>
+            <a:r>
+              <a:rPr lang="en-US" b="0" dirty="0"/>
+              <a:t>	2. Both targets have same value, sub changes direction mid-flight voluntarily.</a:t>
+            </a:r>
+          </a:p>
+          <a:p>
+            <a:pPr marL="0" indent="0" algn="l" rtl="0">
+              <a:buFont typeface="Arial" panose="020B0604020202020204" pitchFamily="34" charset="0"/>
+              <a:buNone/>
+            </a:pPr>
+            <a:r>
+              <a:rPr lang="en-US" b="0" dirty="0"/>
+              <a:t>Unconscious – experiment show attitudes, stereotypes, semantic primes, color primes, emotional primes affect trajectory.</a:t>
+            </a:r>
           </a:p>
         </p:txBody>
       </p:sp>
@@ -691,7 +1007,7 @@
           <a:p>
             <a:fld id="{3D411A6A-E6C3-4B6A-AA87-546DBDBCC0B2}" type="datetimeFigureOut">
               <a:rPr lang="he-IL" smtClean="0"/>
-              <a:t>כ"ח/שבט/תשפ"ב</a:t>
+              <a:t>ט'/אדר א/תשפ"ב</a:t>
             </a:fld>
             <a:endParaRPr lang="he-IL"/>
           </a:p>
@@ -861,7 +1177,7 @@
           <a:p>
             <a:fld id="{3D411A6A-E6C3-4B6A-AA87-546DBDBCC0B2}" type="datetimeFigureOut">
               <a:rPr lang="he-IL" smtClean="0"/>
-              <a:t>כ"ח/שבט/תשפ"ב</a:t>
+              <a:t>ט'/אדר א/תשפ"ב</a:t>
             </a:fld>
             <a:endParaRPr lang="he-IL"/>
           </a:p>
@@ -1041,7 +1357,7 @@
           <a:p>
             <a:fld id="{3D411A6A-E6C3-4B6A-AA87-546DBDBCC0B2}" type="datetimeFigureOut">
               <a:rPr lang="he-IL" smtClean="0"/>
-              <a:t>כ"ח/שבט/תשפ"ב</a:t>
+              <a:t>ט'/אדר א/תשפ"ב</a:t>
             </a:fld>
             <a:endParaRPr lang="he-IL"/>
           </a:p>
@@ -1211,7 +1527,7 @@
           <a:p>
             <a:fld id="{3D411A6A-E6C3-4B6A-AA87-546DBDBCC0B2}" type="datetimeFigureOut">
               <a:rPr lang="he-IL" smtClean="0"/>
-              <a:t>כ"ח/שבט/תשפ"ב</a:t>
+              <a:t>ט'/אדר א/תשפ"ב</a:t>
             </a:fld>
             <a:endParaRPr lang="he-IL"/>
           </a:p>
@@ -1457,7 +1773,7 @@
           <a:p>
             <a:fld id="{3D411A6A-E6C3-4B6A-AA87-546DBDBCC0B2}" type="datetimeFigureOut">
               <a:rPr lang="he-IL" smtClean="0"/>
-              <a:t>כ"ח/שבט/תשפ"ב</a:t>
+              <a:t>ט'/אדר א/תשפ"ב</a:t>
             </a:fld>
             <a:endParaRPr lang="he-IL"/>
           </a:p>
@@ -1689,7 +2005,7 @@
           <a:p>
             <a:fld id="{3D411A6A-E6C3-4B6A-AA87-546DBDBCC0B2}" type="datetimeFigureOut">
               <a:rPr lang="he-IL" smtClean="0"/>
-              <a:t>כ"ח/שבט/תשפ"ב</a:t>
+              <a:t>ט'/אדר א/תשפ"ב</a:t>
             </a:fld>
             <a:endParaRPr lang="he-IL"/>
           </a:p>
@@ -2056,7 +2372,7 @@
           <a:p>
             <a:fld id="{3D411A6A-E6C3-4B6A-AA87-546DBDBCC0B2}" type="datetimeFigureOut">
               <a:rPr lang="he-IL" smtClean="0"/>
-              <a:t>כ"ח/שבט/תשפ"ב</a:t>
+              <a:t>ט'/אדר א/תשפ"ב</a:t>
             </a:fld>
             <a:endParaRPr lang="he-IL"/>
           </a:p>
@@ -2174,7 +2490,7 @@
           <a:p>
             <a:fld id="{3D411A6A-E6C3-4B6A-AA87-546DBDBCC0B2}" type="datetimeFigureOut">
               <a:rPr lang="he-IL" smtClean="0"/>
-              <a:t>כ"ח/שבט/תשפ"ב</a:t>
+              <a:t>ט'/אדר א/תשפ"ב</a:t>
             </a:fld>
             <a:endParaRPr lang="he-IL"/>
           </a:p>
@@ -2269,7 +2585,7 @@
           <a:p>
             <a:fld id="{3D411A6A-E6C3-4B6A-AA87-546DBDBCC0B2}" type="datetimeFigureOut">
               <a:rPr lang="he-IL" smtClean="0"/>
-              <a:t>כ"ח/שבט/תשפ"ב</a:t>
+              <a:t>ט'/אדר א/תשפ"ב</a:t>
             </a:fld>
             <a:endParaRPr lang="he-IL"/>
           </a:p>
@@ -2546,7 +2862,7 @@
           <a:p>
             <a:fld id="{3D411A6A-E6C3-4B6A-AA87-546DBDBCC0B2}" type="datetimeFigureOut">
               <a:rPr lang="he-IL" smtClean="0"/>
-              <a:t>כ"ח/שבט/תשפ"ב</a:t>
+              <a:t>ט'/אדר א/תשפ"ב</a:t>
             </a:fld>
             <a:endParaRPr lang="he-IL"/>
           </a:p>
@@ -2803,7 +3119,7 @@
           <a:p>
             <a:fld id="{3D411A6A-E6C3-4B6A-AA87-546DBDBCC0B2}" type="datetimeFigureOut">
               <a:rPr lang="he-IL" smtClean="0"/>
-              <a:t>כ"ח/שבט/תשפ"ב</a:t>
+              <a:t>ט'/אדר א/תשפ"ב</a:t>
             </a:fld>
             <a:endParaRPr lang="he-IL"/>
           </a:p>
@@ -3016,7 +3332,7 @@
           <a:p>
             <a:fld id="{3D411A6A-E6C3-4B6A-AA87-546DBDBCC0B2}" type="datetimeFigureOut">
               <a:rPr lang="he-IL" smtClean="0"/>
-              <a:t>כ"ח/שבט/תשפ"ב</a:t>
+              <a:t>ט'/אדר א/תשפ"ב</a:t>
             </a:fld>
             <a:endParaRPr lang="he-IL"/>
           </a:p>
